--- a/semestrovaya1/Krasno-chyornoe_derevo.pptx
+++ b/semestrovaya1/Krasno-chyornoe_derevo.pptx
@@ -489,11 +489,11 @@
         </c:dLbls>
         <c:marker val="1"/>
         <c:smooth val="0"/>
-        <c:axId val="78264576"/>
-        <c:axId val="78274560"/>
+        <c:axId val="119716096"/>
+        <c:axId val="119717888"/>
       </c:lineChart>
       <c:catAx>
-        <c:axId val="78264576"/>
+        <c:axId val="119716096"/>
         <c:scaling>
           <c:orientation val="minMax"/>
         </c:scaling>
@@ -536,7 +536,7 @@
             <a:endParaRPr lang="ru-RU"/>
           </a:p>
         </c:txPr>
-        <c:crossAx val="78274560"/>
+        <c:crossAx val="119717888"/>
         <c:crosses val="autoZero"/>
         <c:auto val="1"/>
         <c:lblAlgn val="ctr"/>
@@ -544,7 +544,7 @@
         <c:noMultiLvlLbl val="0"/>
       </c:catAx>
       <c:valAx>
-        <c:axId val="78274560"/>
+        <c:axId val="119717888"/>
         <c:scaling>
           <c:orientation val="minMax"/>
         </c:scaling>
@@ -595,7 +595,7 @@
             <a:endParaRPr lang="ru-RU"/>
           </a:p>
         </c:txPr>
-        <c:crossAx val="78264576"/>
+        <c:crossAx val="119716096"/>
         <c:crosses val="autoZero"/>
         <c:crossBetween val="between"/>
       </c:valAx>
@@ -1000,8 +1000,8 @@
         </c:dLbls>
         <c:marker val="1"/>
         <c:smooth val="0"/>
-        <c:axId val="78971264"/>
-        <c:axId val="78972800"/>
+        <c:axId val="120275328"/>
+        <c:axId val="120276864"/>
         <c:extLst xmlns:c16r2="http://schemas.microsoft.com/office/drawing/2015/06/chart">
           <c:ext xmlns:c15="http://schemas.microsoft.com/office/drawing/2012/chart" uri="{02D57815-91ED-43cb-92C2-25804820EDAC}">
             <c15:filteredLineSeries>
@@ -1091,7 +1091,7 @@
         </c:extLst>
       </c:lineChart>
       <c:catAx>
-        <c:axId val="78971264"/>
+        <c:axId val="120275328"/>
         <c:scaling>
           <c:orientation val="minMax"/>
         </c:scaling>
@@ -1134,7 +1134,7 @@
             <a:endParaRPr lang="ru-RU"/>
           </a:p>
         </c:txPr>
-        <c:crossAx val="78972800"/>
+        <c:crossAx val="120276864"/>
         <c:crosses val="autoZero"/>
         <c:auto val="1"/>
         <c:lblAlgn val="ctr"/>
@@ -1142,7 +1142,7 @@
         <c:noMultiLvlLbl val="0"/>
       </c:catAx>
       <c:valAx>
-        <c:axId val="78972800"/>
+        <c:axId val="120276864"/>
         <c:scaling>
           <c:orientation val="minMax"/>
         </c:scaling>
@@ -1195,7 +1195,7 @@
             <a:endParaRPr lang="ru-RU"/>
           </a:p>
         </c:txPr>
-        <c:crossAx val="78971264"/>
+        <c:crossAx val="120275328"/>
         <c:crosses val="autoZero"/>
         <c:crossBetween val="between"/>
       </c:valAx>
@@ -8169,7 +8169,7 @@
           <p:cNvPr id="2" name="Заголовок 1">
             <a:extLst>
               <a:ext uri="{FF2B5EF4-FFF2-40B4-BE49-F238E27FC236}">
-                <a16:creationId xmlns:a16="http://schemas.microsoft.com/office/drawing/2014/main" xmlns="" id="{81DE194D-9C87-4F57-A9CC-5C1951A7F414}"/>
+                <a16:creationId xmlns="" xmlns:a16="http://schemas.microsoft.com/office/drawing/2014/main" id="{81DE194D-9C87-4F57-A9CC-5C1951A7F414}"/>
               </a:ext>
             </a:extLst>
           </p:cNvPr>
@@ -8203,7 +8203,7 @@
           <p:cNvPr id="3" name="Подзаголовок 2">
             <a:extLst>
               <a:ext uri="{FF2B5EF4-FFF2-40B4-BE49-F238E27FC236}">
-                <a16:creationId xmlns:a16="http://schemas.microsoft.com/office/drawing/2014/main" xmlns="" id="{0CE77177-5A11-4B2F-8D15-81932C3DBF67}"/>
+                <a16:creationId xmlns="" xmlns:a16="http://schemas.microsoft.com/office/drawing/2014/main" id="{0CE77177-5A11-4B2F-8D15-81932C3DBF67}"/>
               </a:ext>
             </a:extLst>
           </p:cNvPr>
@@ -8425,7 +8425,7 @@
           <p:cNvPr id="4" name="Объект 3">
             <a:extLst>
               <a:ext uri="{FF2B5EF4-FFF2-40B4-BE49-F238E27FC236}">
-                <a16:creationId xmlns:a16="http://schemas.microsoft.com/office/drawing/2014/main" xmlns="" id="{A56FD662-89CC-4CEE-848F-47B35C1E5779}"/>
+                <a16:creationId xmlns="" xmlns:a16="http://schemas.microsoft.com/office/drawing/2014/main" id="{A56FD662-89CC-4CEE-848F-47B35C1E5779}"/>
               </a:ext>
             </a:extLst>
           </p:cNvPr>
@@ -8456,7 +8456,7 @@
           <p:cNvPr id="5" name="Диаграмма 4">
             <a:extLst>
               <a:ext uri="{FF2B5EF4-FFF2-40B4-BE49-F238E27FC236}">
-                <a16:creationId xmlns:a16="http://schemas.microsoft.com/office/drawing/2014/main" xmlns="" id="{747B97FC-1B7C-4A1F-9CE8-98E796002EFC}"/>
+                <a16:creationId xmlns="" xmlns:a16="http://schemas.microsoft.com/office/drawing/2014/main" id="{747B97FC-1B7C-4A1F-9CE8-98E796002EFC}"/>
               </a:ext>
             </a:extLst>
           </p:cNvPr>
@@ -8486,7 +8486,7 @@
           <p:cNvPr id="6" name="TextBox 5">
             <a:extLst>
               <a:ext uri="{FF2B5EF4-FFF2-40B4-BE49-F238E27FC236}">
-                <a16:creationId xmlns:a16="http://schemas.microsoft.com/office/drawing/2014/main" xmlns="" id="{D9E00280-D156-4B27-8D23-2770B01AAF9D}"/>
+                <a16:creationId xmlns="" xmlns:a16="http://schemas.microsoft.com/office/drawing/2014/main" id="{D9E00280-D156-4B27-8D23-2770B01AAF9D}"/>
               </a:ext>
             </a:extLst>
           </p:cNvPr>
@@ -8556,7 +8556,7 @@
           <p:cNvPr id="2" name="Заголовок 1">
             <a:extLst>
               <a:ext uri="{FF2B5EF4-FFF2-40B4-BE49-F238E27FC236}">
-                <a16:creationId xmlns:a16="http://schemas.microsoft.com/office/drawing/2014/main" xmlns="" id="{1625CC18-436C-446D-AE7D-D3CA7BBB90AB}"/>
+                <a16:creationId xmlns="" xmlns:a16="http://schemas.microsoft.com/office/drawing/2014/main" id="{1625CC18-436C-446D-AE7D-D3CA7BBB90AB}"/>
               </a:ext>
             </a:extLst>
           </p:cNvPr>
@@ -8590,7 +8590,7 @@
           <p:cNvPr id="3" name="Объект 2">
             <a:extLst>
               <a:ext uri="{FF2B5EF4-FFF2-40B4-BE49-F238E27FC236}">
-                <a16:creationId xmlns:a16="http://schemas.microsoft.com/office/drawing/2014/main" xmlns="" id="{E3DBD243-5680-4421-9D7C-7F765E6CA96D}"/>
+                <a16:creationId xmlns="" xmlns:a16="http://schemas.microsoft.com/office/drawing/2014/main" id="{E3DBD243-5680-4421-9D7C-7F765E6CA96D}"/>
               </a:ext>
             </a:extLst>
           </p:cNvPr>
@@ -8921,7 +8921,7 @@
           <p:cNvPr id="2" name="Заголовок 1">
             <a:extLst>
               <a:ext uri="{FF2B5EF4-FFF2-40B4-BE49-F238E27FC236}">
-                <a16:creationId xmlns:a16="http://schemas.microsoft.com/office/drawing/2014/main" xmlns="" id="{6B2F5308-F4C6-4E75-9F91-F0C0BC2DBD69}"/>
+                <a16:creationId xmlns="" xmlns:a16="http://schemas.microsoft.com/office/drawing/2014/main" id="{6B2F5308-F4C6-4E75-9F91-F0C0BC2DBD69}"/>
               </a:ext>
             </a:extLst>
           </p:cNvPr>
@@ -8955,7 +8955,7 @@
           <p:cNvPr id="3" name="Объект 2">
             <a:extLst>
               <a:ext uri="{FF2B5EF4-FFF2-40B4-BE49-F238E27FC236}">
-                <a16:creationId xmlns:a16="http://schemas.microsoft.com/office/drawing/2014/main" xmlns="" id="{02362B97-F025-489E-96F3-F5F4C2E55005}"/>
+                <a16:creationId xmlns="" xmlns:a16="http://schemas.microsoft.com/office/drawing/2014/main" id="{02362B97-F025-489E-96F3-F5F4C2E55005}"/>
               </a:ext>
             </a:extLst>
           </p:cNvPr>
@@ -9137,7 +9137,7 @@
           <p:cNvPr id="4" name="Рисунок 3">
             <a:extLst>
               <a:ext uri="{FF2B5EF4-FFF2-40B4-BE49-F238E27FC236}">
-                <a16:creationId xmlns:a16="http://schemas.microsoft.com/office/drawing/2014/main" xmlns="" id="{BE8416FC-2CB9-4D2C-93B1-82AE7332E6F2}"/>
+                <a16:creationId xmlns="" xmlns:a16="http://schemas.microsoft.com/office/drawing/2014/main" id="{BE8416FC-2CB9-4D2C-93B1-82AE7332E6F2}"/>
               </a:ext>
             </a:extLst>
           </p:cNvPr>
@@ -9203,7 +9203,7 @@
           <p:cNvPr id="2" name="Заголовок 1">
             <a:extLst>
               <a:ext uri="{FF2B5EF4-FFF2-40B4-BE49-F238E27FC236}">
-                <a16:creationId xmlns:a16="http://schemas.microsoft.com/office/drawing/2014/main" xmlns="" id="{BBC953E5-5693-4D6B-B27C-5CC4632B4855}"/>
+                <a16:creationId xmlns="" xmlns:a16="http://schemas.microsoft.com/office/drawing/2014/main" id="{BBC953E5-5693-4D6B-B27C-5CC4632B4855}"/>
               </a:ext>
             </a:extLst>
           </p:cNvPr>
@@ -9241,7 +9241,7 @@
           <p:cNvPr id="3" name="Объект 2">
             <a:extLst>
               <a:ext uri="{FF2B5EF4-FFF2-40B4-BE49-F238E27FC236}">
-                <a16:creationId xmlns:a16="http://schemas.microsoft.com/office/drawing/2014/main" xmlns="" id="{15B48557-5519-4144-B229-E471BDC0F365}"/>
+                <a16:creationId xmlns="" xmlns:a16="http://schemas.microsoft.com/office/drawing/2014/main" id="{15B48557-5519-4144-B229-E471BDC0F365}"/>
               </a:ext>
             </a:extLst>
           </p:cNvPr>
@@ -9613,7 +9613,7 @@
           <p:cNvPr id="5" name="Заголовок 1">
             <a:extLst>
               <a:ext uri="{FF2B5EF4-FFF2-40B4-BE49-F238E27FC236}">
-                <a16:creationId xmlns:a16="http://schemas.microsoft.com/office/drawing/2014/main" xmlns="" id="{A7DF80C7-FDC5-4C84-A650-63C3B4052FDF}"/>
+                <a16:creationId xmlns="" xmlns:a16="http://schemas.microsoft.com/office/drawing/2014/main" id="{A7DF80C7-FDC5-4C84-A650-63C3B4052FDF}"/>
               </a:ext>
             </a:extLst>
           </p:cNvPr>
@@ -10026,7 +10026,7 @@
           <p:cNvPr id="4" name="Заголовок 1">
             <a:extLst>
               <a:ext uri="{FF2B5EF4-FFF2-40B4-BE49-F238E27FC236}">
-                <a16:creationId xmlns:a16="http://schemas.microsoft.com/office/drawing/2014/main" xmlns="" id="{E49592A3-64AB-4A60-A7DA-32F6A6FA8C9B}"/>
+                <a16:creationId xmlns="" xmlns:a16="http://schemas.microsoft.com/office/drawing/2014/main" id="{E49592A3-64AB-4A60-A7DA-32F6A6FA8C9B}"/>
               </a:ext>
             </a:extLst>
           </p:cNvPr>
@@ -10098,7 +10098,7 @@
           <p:cNvPr id="5" name="Рисунок 4">
             <a:extLst>
               <a:ext uri="{FF2B5EF4-FFF2-40B4-BE49-F238E27FC236}">
-                <a16:creationId xmlns:a16="http://schemas.microsoft.com/office/drawing/2014/main" xmlns="" id="{EF18428D-9DFA-48D2-9A17-1C861F958EED}"/>
+                <a16:creationId xmlns="" xmlns:a16="http://schemas.microsoft.com/office/drawing/2014/main" id="{EF18428D-9DFA-48D2-9A17-1C861F958EED}"/>
               </a:ext>
             </a:extLst>
           </p:cNvPr>
@@ -10134,7 +10134,7 @@
           <p:cNvPr id="6" name="Рисунок 5">
             <a:extLst>
               <a:ext uri="{FF2B5EF4-FFF2-40B4-BE49-F238E27FC236}">
-                <a16:creationId xmlns:a16="http://schemas.microsoft.com/office/drawing/2014/main" xmlns="" id="{62575E04-EBCF-40AF-98FC-7331F2184F69}"/>
+                <a16:creationId xmlns="" xmlns:a16="http://schemas.microsoft.com/office/drawing/2014/main" id="{62575E04-EBCF-40AF-98FC-7331F2184F69}"/>
               </a:ext>
             </a:extLst>
           </p:cNvPr>
@@ -10170,7 +10170,7 @@
           <p:cNvPr id="7" name="Рисунок 6">
             <a:extLst>
               <a:ext uri="{FF2B5EF4-FFF2-40B4-BE49-F238E27FC236}">
-                <a16:creationId xmlns:a16="http://schemas.microsoft.com/office/drawing/2014/main" xmlns="" id="{9F22A997-0B1B-475B-AD93-F171D52EBB7A}"/>
+                <a16:creationId xmlns="" xmlns:a16="http://schemas.microsoft.com/office/drawing/2014/main" id="{9F22A997-0B1B-475B-AD93-F171D52EBB7A}"/>
               </a:ext>
             </a:extLst>
           </p:cNvPr>
@@ -10236,7 +10236,7 @@
           <p:cNvPr id="2" name="Заголовок 1">
             <a:extLst>
               <a:ext uri="{FF2B5EF4-FFF2-40B4-BE49-F238E27FC236}">
-                <a16:creationId xmlns:a16="http://schemas.microsoft.com/office/drawing/2014/main" xmlns="" id="{FFBAD1C5-CFE8-42B5-A758-09026C81966E}"/>
+                <a16:creationId xmlns="" xmlns:a16="http://schemas.microsoft.com/office/drawing/2014/main" id="{FFBAD1C5-CFE8-42B5-A758-09026C81966E}"/>
               </a:ext>
             </a:extLst>
           </p:cNvPr>
@@ -10270,7 +10270,7 @@
           <p:cNvPr id="3" name="Объект 2">
             <a:extLst>
               <a:ext uri="{FF2B5EF4-FFF2-40B4-BE49-F238E27FC236}">
-                <a16:creationId xmlns:a16="http://schemas.microsoft.com/office/drawing/2014/main" xmlns="" id="{E5235987-DB98-4B2D-9B9D-A77ADFFF7743}"/>
+                <a16:creationId xmlns="" xmlns:a16="http://schemas.microsoft.com/office/drawing/2014/main" id="{E5235987-DB98-4B2D-9B9D-A77ADFFF7743}"/>
               </a:ext>
             </a:extLst>
           </p:cNvPr>
@@ -11083,7 +11083,7 @@
           <p:cNvPr id="4" name="Заголовок 1">
             <a:extLst>
               <a:ext uri="{FF2B5EF4-FFF2-40B4-BE49-F238E27FC236}">
-                <a16:creationId xmlns:a16="http://schemas.microsoft.com/office/drawing/2014/main" xmlns="" id="{AB92EF44-0BD2-4834-A5F0-0A7C512D3077}"/>
+                <a16:creationId xmlns="" xmlns:a16="http://schemas.microsoft.com/office/drawing/2014/main" id="{AB92EF44-0BD2-4834-A5F0-0A7C512D3077}"/>
               </a:ext>
             </a:extLst>
           </p:cNvPr>
@@ -11830,7 +11830,7 @@
           <p:cNvPr id="5" name="Заголовок 1">
             <a:extLst>
               <a:ext uri="{FF2B5EF4-FFF2-40B4-BE49-F238E27FC236}">
-                <a16:creationId xmlns:a16="http://schemas.microsoft.com/office/drawing/2014/main" xmlns="" id="{D0DB6780-B62F-4DF0-B7B5-24F9EF3BB5BF}"/>
+                <a16:creationId xmlns="" xmlns:a16="http://schemas.microsoft.com/office/drawing/2014/main" id="{D0DB6780-B62F-4DF0-B7B5-24F9EF3BB5BF}"/>
               </a:ext>
             </a:extLst>
           </p:cNvPr>
@@ -11913,7 +11913,7 @@
           <p:cNvPr id="6" name="Рисунок 5">
             <a:extLst>
               <a:ext uri="{FF2B5EF4-FFF2-40B4-BE49-F238E27FC236}">
-                <a16:creationId xmlns:a16="http://schemas.microsoft.com/office/drawing/2014/main" xmlns="" id="{7CB683D2-7B3A-4929-9510-69ED9908582D}"/>
+                <a16:creationId xmlns="" xmlns:a16="http://schemas.microsoft.com/office/drawing/2014/main" id="{7CB683D2-7B3A-4929-9510-69ED9908582D}"/>
               </a:ext>
             </a:extLst>
           </p:cNvPr>
@@ -11949,7 +11949,7 @@
           <p:cNvPr id="7" name="Рисунок 6">
             <a:extLst>
               <a:ext uri="{FF2B5EF4-FFF2-40B4-BE49-F238E27FC236}">
-                <a16:creationId xmlns:a16="http://schemas.microsoft.com/office/drawing/2014/main" xmlns="" id="{81BAD3BF-9AFD-40D2-BD7E-265E6245BCBA}"/>
+                <a16:creationId xmlns="" xmlns:a16="http://schemas.microsoft.com/office/drawing/2014/main" id="{81BAD3BF-9AFD-40D2-BD7E-265E6245BCBA}"/>
               </a:ext>
             </a:extLst>
           </p:cNvPr>
@@ -11985,7 +11985,7 @@
           <p:cNvPr id="8" name="Рисунок 7">
             <a:extLst>
               <a:ext uri="{FF2B5EF4-FFF2-40B4-BE49-F238E27FC236}">
-                <a16:creationId xmlns:a16="http://schemas.microsoft.com/office/drawing/2014/main" xmlns="" id="{B919628F-D3D7-44D3-99C3-CADC31AE7ED7}"/>
+                <a16:creationId xmlns="" xmlns:a16="http://schemas.microsoft.com/office/drawing/2014/main" id="{B919628F-D3D7-44D3-99C3-CADC31AE7ED7}"/>
               </a:ext>
             </a:extLst>
           </p:cNvPr>
@@ -12021,7 +12021,7 @@
           <p:cNvPr id="9" name="Рисунок 8">
             <a:extLst>
               <a:ext uri="{FF2B5EF4-FFF2-40B4-BE49-F238E27FC236}">
-                <a16:creationId xmlns:a16="http://schemas.microsoft.com/office/drawing/2014/main" xmlns="" id="{E01EA1E2-C9BA-4093-9C8E-80F144F44CBF}"/>
+                <a16:creationId xmlns="" xmlns:a16="http://schemas.microsoft.com/office/drawing/2014/main" id="{E01EA1E2-C9BA-4093-9C8E-80F144F44CBF}"/>
               </a:ext>
             </a:extLst>
           </p:cNvPr>
@@ -12057,7 +12057,7 @@
           <p:cNvPr id="14" name="Рисунок 13">
             <a:extLst>
               <a:ext uri="{FF2B5EF4-FFF2-40B4-BE49-F238E27FC236}">
-                <a16:creationId xmlns:a16="http://schemas.microsoft.com/office/drawing/2014/main" xmlns="" id="{5B970395-B9BD-420A-AA1E-F667572DE20B}"/>
+                <a16:creationId xmlns="" xmlns:a16="http://schemas.microsoft.com/office/drawing/2014/main" id="{5B970395-B9BD-420A-AA1E-F667572DE20B}"/>
               </a:ext>
             </a:extLst>
           </p:cNvPr>
@@ -12123,7 +12123,7 @@
           <p:cNvPr id="2" name="Заголовок 1">
             <a:extLst>
               <a:ext uri="{FF2B5EF4-FFF2-40B4-BE49-F238E27FC236}">
-                <a16:creationId xmlns:a16="http://schemas.microsoft.com/office/drawing/2014/main" xmlns="" id="{82E74466-11F8-4643-B960-2DF4B512912F}"/>
+                <a16:creationId xmlns="" xmlns:a16="http://schemas.microsoft.com/office/drawing/2014/main" id="{82E74466-11F8-4643-B960-2DF4B512912F}"/>
               </a:ext>
             </a:extLst>
           </p:cNvPr>
@@ -12152,14 +12152,14 @@
           </a:p>
         </p:txBody>
       </p:sp>
-      <mc:AlternateContent xmlns:mc="http://schemas.openxmlformats.org/markup-compatibility/2006" xmlns:a14="http://schemas.microsoft.com/office/drawing/2010/main">
-        <mc:Choice Requires="a14">
+      <mc:AlternateContent xmlns:mc="http://schemas.openxmlformats.org/markup-compatibility/2006">
+        <mc:Choice xmlns:a14="http://schemas.microsoft.com/office/drawing/2010/main" Requires="a14">
           <p:sp>
             <p:nvSpPr>
               <p:cNvPr id="3" name="Rectangle 1">
                 <a:extLst>
                   <a:ext uri="{FF2B5EF4-FFF2-40B4-BE49-F238E27FC236}">
-                    <a16:creationId xmlns:a16="http://schemas.microsoft.com/office/drawing/2014/main" xmlns="" id="{37DE4C01-C1F9-489B-9BD0-94E0DD37E029}"/>
+                    <a16:creationId xmlns="" xmlns:a16="http://schemas.microsoft.com/office/drawing/2014/main" id="{37DE4C01-C1F9-489B-9BD0-94E0DD37E029}"/>
                   </a:ext>
                 </a:extLst>
               </p:cNvPr>
@@ -12444,7 +12444,7 @@
                   <a:t>Рассмотрим красно-чёрное дерево с высотой h. Так как у красной вершины чёрные дети (по свойству 3) количество красных вершин не больше </a:t>
                 </a:r>
                 <a:r>
-                  <a:rPr kumimoji="0" lang="ru-RU" altLang="ru-RU" b="0" i="0" u="none" strike="noStrike" cap="none" normalizeH="0" baseline="0" dirty="0">
+                  <a:rPr kumimoji="0" lang="ru-RU" altLang="ru-RU" b="0" i="0" u="none" strike="noStrike" cap="none" normalizeH="0" baseline="0" dirty="0" smtClean="0">
                     <a:ln>
                       <a:noFill/>
                     </a:ln>
@@ -12455,7 +12455,7 @@
                   <a:t>h</a:t>
                 </a:r>
                 <a:r>
-                  <a:rPr kumimoji="0" lang="ru-RU" altLang="ru-RU" b="0" i="0" u="none" strike="noStrike" cap="none" normalizeH="0" baseline="0" dirty="0">
+                  <a:rPr kumimoji="0" lang="ru-RU" altLang="ru-RU" b="0" i="0" u="none" strike="noStrike" cap="none" normalizeH="0" baseline="0" dirty="0" smtClean="0">
                     <a:ln>
                       <a:noFill/>
                     </a:ln>
@@ -12466,6 +12466,17 @@
                   <a:t>2</a:t>
                 </a:r>
                 <a:r>
+                  <a:rPr kumimoji="0" lang="ru-RU" altLang="ru-RU" b="0" i="0" u="none" strike="noStrike" cap="none" normalizeH="0" baseline="0" dirty="0" smtClean="0">
+                    <a:ln>
+                      <a:noFill/>
+                    </a:ln>
+                    <a:effectLst/>
+                    <a:latin typeface="Arial" panose="020B0604020202020204" pitchFamily="34" charset="0"/>
+                    <a:cs typeface="Arial" panose="020B0604020202020204" pitchFamily="34" charset="0"/>
+                  </a:rPr>
+                  <a:t>. </a:t>
+                </a:r>
+                <a:r>
                   <a:rPr kumimoji="0" lang="ru-RU" altLang="ru-RU" b="0" i="0" u="none" strike="noStrike" cap="none" normalizeH="0" baseline="0" dirty="0">
                     <a:ln>
                       <a:noFill/>
@@ -12474,7 +12485,7 @@
                     <a:latin typeface="Arial" panose="020B0604020202020204" pitchFamily="34" charset="0"/>
                     <a:cs typeface="Arial" panose="020B0604020202020204" pitchFamily="34" charset="0"/>
                   </a:rPr>
-                  <a:t>h2. Тогда чёрных вершин не меньше, чем </a:t>
+                  <a:t>Тогда чёрных вершин не меньше, чем </a:t>
                 </a:r>
                 <a:r>
                   <a:rPr kumimoji="0" lang="ru-RU" altLang="ru-RU" b="0" i="0" u="none" strike="noStrike" cap="none" normalizeH="0" baseline="0" dirty="0">
@@ -12496,10 +12507,21 @@
                     <a:latin typeface="MathJax_Main"/>
                     <a:cs typeface="Arial" panose="020B0604020202020204" pitchFamily="34" charset="0"/>
                   </a:rPr>
-                  <a:t>2−1</a:t>
+                  <a:t>2−</a:t>
                 </a:r>
                 <a:r>
-                  <a:rPr kumimoji="0" lang="ru-RU" altLang="ru-RU" b="0" i="0" u="none" strike="noStrike" cap="none" normalizeH="0" baseline="0" dirty="0">
+                  <a:rPr kumimoji="0" lang="ru-RU" altLang="ru-RU" b="0" i="0" u="none" strike="noStrike" cap="none" normalizeH="0" baseline="0" dirty="0" smtClean="0">
+                    <a:ln>
+                      <a:noFill/>
+                    </a:ln>
+                    <a:effectLst/>
+                    <a:latin typeface="MathJax_Main"/>
+                    <a:cs typeface="Arial" panose="020B0604020202020204" pitchFamily="34" charset="0"/>
+                  </a:rPr>
+                  <a:t>1</a:t>
+                </a:r>
+                <a:r>
+                  <a:rPr kumimoji="0" lang="ru-RU" altLang="ru-RU" b="0" i="0" u="none" strike="noStrike" cap="none" normalizeH="0" baseline="0" dirty="0" smtClean="0">
                     <a:ln>
                       <a:noFill/>
                     </a:ln>
@@ -12507,7 +12529,7 @@
                     <a:latin typeface="Arial" panose="020B0604020202020204" pitchFamily="34" charset="0"/>
                     <a:cs typeface="Arial" panose="020B0604020202020204" pitchFamily="34" charset="0"/>
                   </a:rPr>
-                  <a:t>h2−1.</a:t>
+                  <a:t>.</a:t>
                 </a:r>
                 <a:endParaRPr kumimoji="0" lang="ru-RU" altLang="ru-RU" b="0" i="0" u="none" strike="noStrike" cap="none" normalizeH="0" baseline="0" dirty="0">
                   <a:ln>
@@ -13068,13 +13090,13 @@
             </p:txBody>
           </p:sp>
         </mc:Choice>
-        <mc:Fallback xmlns="">
+        <mc:Fallback>
           <p:sp>
             <p:nvSpPr>
               <p:cNvPr id="3" name="Rectangle 1">
                 <a:extLst>
                   <a:ext uri="{FF2B5EF4-FFF2-40B4-BE49-F238E27FC236}">
-                    <a16:creationId xmlns:a16="http://schemas.microsoft.com/office/drawing/2014/main" id="{37DE4C01-C1F9-489B-9BD0-94E0DD37E029}"/>
+                    <a16:creationId xmlns="" xmlns:a16="http://schemas.microsoft.com/office/drawing/2014/main" xmlns:a14="http://schemas.microsoft.com/office/drawing/2010/main" id="{37DE4C01-C1F9-489B-9BD0-94E0DD37E029}"/>
                   </a:ext>
                 </a:extLst>
               </p:cNvPr>
@@ -13091,10 +13113,10 @@
               <a:prstGeom prst="rect">
                 <a:avLst/>
               </a:prstGeom>
-              <a:blipFill>
+              <a:blipFill rotWithShape="1">
                 <a:blip r:embed="rId2"/>
                 <a:stretch>
-                  <a:fillRect l="-553" t="-515" r="-1176" b="-2405"/>
+                  <a:fillRect l="-553" t="-344" r="-1176" b="-2405"/>
                 </a:stretch>
               </a:blipFill>
               <a:ln>
@@ -13417,7 +13439,7 @@
   <a:extraClrSchemeLst/>
   <a:extLst>
     <a:ext uri="{05A4C25C-085E-4340-85A3-A5531E510DB2}">
-      <thm15:themeFamily xmlns:thm15="http://schemas.microsoft.com/office/thememl/2012/main" xmlns="" name="Ion" id="{B8441ADB-2E43-4AF7-B97A-BD870242C6A8}" vid="{BACC050B-8757-4460-95D8-E37B46A6B421}"/>
+      <thm15:themeFamily xmlns="" xmlns:thm15="http://schemas.microsoft.com/office/thememl/2012/main" name="Ion" id="{B8441ADB-2E43-4AF7-B97A-BD870242C6A8}" vid="{BACC050B-8757-4460-95D8-E37B46A6B421}"/>
     </a:ext>
   </a:extLst>
 </a:theme>
